--- a/samples/templates/templates2.pptx
+++ b/samples/templates/templates2.pptx
@@ -197,7 +197,7 @@
           <a:p>
             <a:fld id="{D83749C5-FFD9-114C-B10A-D0464B391B79}" type="datetimeFigureOut">
               <a:rPr kumimoji="1" lang="ja-JP" altLang="en-US" smtClean="0"/>
-              <a:t>2025/10/9</a:t>
+              <a:t>2025/10/10</a:t>
             </a:fld>
             <a:endParaRPr kumimoji="1" lang="ja-JP" altLang="en-US"/>
           </a:p>
@@ -1615,6 +1615,46 @@
               <a:rPr kumimoji="1" lang="ja-JP" altLang="en-US"/>
               <a:t>の書式設定</a:t>
             </a:r>
+          </a:p>
+        </p:txBody>
+      </p:sp>
+      <p:sp>
+        <p:nvSpPr>
+          <p:cNvPr id="4" name="Logo">
+            <a:extLst>
+              <a:ext uri="{FF2B5EF4-FFF2-40B4-BE49-F238E27FC236}">
+                <a16:creationId xmlns:a16="http://schemas.microsoft.com/office/drawing/2014/main" id="{C8B9E751-8D56-C809-58EB-50C7E7A35524}"/>
+              </a:ext>
+            </a:extLst>
+          </p:cNvPr>
+          <p:cNvSpPr>
+            <a:spLocks noGrp="1"/>
+          </p:cNvSpPr>
+          <p:nvPr>
+            <p:ph sz="quarter" idx="14" hasCustomPrompt="1"/>
+          </p:nvPr>
+        </p:nvSpPr>
+        <p:spPr>
+          <a:xfrm>
+            <a:off x="10965176" y="5262563"/>
+            <a:ext cx="914400" cy="914400"/>
+          </a:xfrm>
+        </p:spPr>
+        <p:txBody>
+          <a:bodyPr/>
+          <a:lstStyle>
+            <a:lvl1pPr marL="0" indent="0">
+              <a:buNone/>
+              <a:defRPr/>
+            </a:lvl1pPr>
+          </a:lstStyle>
+          <a:p>
+            <a:pPr lvl="0"/>
+            <a:r>
+              <a:rPr kumimoji="1" lang="en-US" altLang="ja-JP" dirty="0"/>
+              <a:t>logo</a:t>
+            </a:r>
+            <a:endParaRPr kumimoji="1" lang="ja-JP" altLang="en-US"/>
           </a:p>
         </p:txBody>
       </p:sp>
